--- a/ONIP/onip_b3_traitement_1D/B3_2_BonnesPratiques_2.pptx
+++ b/ONIP/onip_b3_traitement_1D/B3_2_BonnesPratiques_2.pptx
@@ -296,7 +296,7 @@
           <a:p>
             <a:fld id="{02AC24A9-CCB6-4F8D-B8DB-C2F3692CFA5A}" type="datetimeFigureOut">
               <a:rPr lang="en-US" smtClean="0"/>
-              <a:t>12/10/2023</a:t>
+              <a:t>12/12/2023</a:t>
             </a:fld>
             <a:endParaRPr lang="en-US" dirty="0"/>
           </a:p>
@@ -666,7 +666,7 @@
           <a:p>
             <a:fld id="{02AC24A9-CCB6-4F8D-B8DB-C2F3692CFA5A}" type="datetimeFigureOut">
               <a:rPr lang="en-US" smtClean="0"/>
-              <a:t>12/10/2023</a:t>
+              <a:t>12/12/2023</a:t>
             </a:fld>
             <a:endParaRPr lang="en-US"/>
           </a:p>
@@ -875,7 +875,7 @@
           <a:p>
             <a:fld id="{02AC24A9-CCB6-4F8D-B8DB-C2F3692CFA5A}" type="datetimeFigureOut">
               <a:rPr lang="en-US" smtClean="0"/>
-              <a:t>12/10/2023</a:t>
+              <a:t>12/12/2023</a:t>
             </a:fld>
             <a:endParaRPr lang="en-US"/>
           </a:p>
@@ -1345,7 +1345,7 @@
           <a:p>
             <a:fld id="{02AC24A9-CCB6-4F8D-B8DB-C2F3692CFA5A}" type="datetimeFigureOut">
               <a:rPr lang="en-US" smtClean="0"/>
-              <a:t>12/10/2023</a:t>
+              <a:t>12/12/2023</a:t>
             </a:fld>
             <a:endParaRPr lang="en-US"/>
           </a:p>
@@ -1799,7 +1799,7 @@
           <a:p>
             <a:fld id="{02AC24A9-CCB6-4F8D-B8DB-C2F3692CFA5A}" type="datetimeFigureOut">
               <a:rPr lang="en-US" smtClean="0"/>
-              <a:t>12/10/2023</a:t>
+              <a:t>12/12/2023</a:t>
             </a:fld>
             <a:endParaRPr lang="en-US"/>
           </a:p>
@@ -2331,7 +2331,7 @@
           <a:p>
             <a:fld id="{02AC24A9-CCB6-4F8D-B8DB-C2F3692CFA5A}" type="datetimeFigureOut">
               <a:rPr lang="en-US" smtClean="0"/>
-              <a:t>12/10/2023</a:t>
+              <a:t>12/12/2023</a:t>
             </a:fld>
             <a:endParaRPr lang="en-US"/>
           </a:p>
@@ -3030,7 +3030,7 @@
           <a:p>
             <a:fld id="{02AC24A9-CCB6-4F8D-B8DB-C2F3692CFA5A}" type="datetimeFigureOut">
               <a:rPr lang="en-US" smtClean="0"/>
-              <a:t>12/10/2023</a:t>
+              <a:t>12/12/2023</a:t>
             </a:fld>
             <a:endParaRPr lang="en-US"/>
           </a:p>
@@ -3359,7 +3359,7 @@
           <a:p>
             <a:fld id="{02AC24A9-CCB6-4F8D-B8DB-C2F3692CFA5A}" type="datetimeFigureOut">
               <a:rPr lang="en-US" smtClean="0"/>
-              <a:t>12/10/2023</a:t>
+              <a:t>12/12/2023</a:t>
             </a:fld>
             <a:endParaRPr lang="en-US"/>
           </a:p>
@@ -3472,7 +3472,7 @@
           <a:p>
             <a:fld id="{02AC24A9-CCB6-4F8D-B8DB-C2F3692CFA5A}" type="datetimeFigureOut">
               <a:rPr lang="en-US" smtClean="0"/>
-              <a:t>12/10/2023</a:t>
+              <a:t>12/12/2023</a:t>
             </a:fld>
             <a:endParaRPr lang="en-US"/>
           </a:p>
@@ -3967,7 +3967,7 @@
           <a:p>
             <a:fld id="{02AC24A9-CCB6-4F8D-B8DB-C2F3692CFA5A}" type="datetimeFigureOut">
               <a:rPr lang="en-US" smtClean="0"/>
-              <a:t>12/10/2023</a:t>
+              <a:t>12/12/2023</a:t>
             </a:fld>
             <a:endParaRPr lang="en-US" dirty="0"/>
           </a:p>
@@ -4444,7 +4444,7 @@
           <a:p>
             <a:fld id="{02AC24A9-CCB6-4F8D-B8DB-C2F3692CFA5A}" type="datetimeFigureOut">
               <a:rPr lang="en-US" smtClean="0"/>
-              <a:t>12/10/2023</a:t>
+              <a:t>12/12/2023</a:t>
             </a:fld>
             <a:endParaRPr lang="en-US"/>
           </a:p>
@@ -4687,7 +4687,7 @@
           <a:p>
             <a:fld id="{02AC24A9-CCB6-4F8D-B8DB-C2F3692CFA5A}" type="datetimeFigureOut">
               <a:rPr lang="en-US" smtClean="0"/>
-              <a:t>12/10/2023</a:t>
+              <a:t>12/12/2023</a:t>
             </a:fld>
             <a:endParaRPr lang="en-US"/>
           </a:p>
